--- a/report_plot/drawing.pptx
+++ b/report_plot/drawing.pptx
@@ -262,7 +262,7 @@
           <a:p>
             <a:fld id="{36FC6D07-7021-441E-9779-C24CBBD0B204}" type="datetimeFigureOut">
               <a:rPr lang="zh-CN" altLang="en-US" smtClean="0"/>
-              <a:t>2023/9/4</a:t>
+              <a:t>2023/9/22</a:t>
             </a:fld>
             <a:endParaRPr lang="zh-CN" altLang="en-US"/>
           </a:p>
@@ -462,7 +462,7 @@
           <a:p>
             <a:fld id="{36FC6D07-7021-441E-9779-C24CBBD0B204}" type="datetimeFigureOut">
               <a:rPr lang="zh-CN" altLang="en-US" smtClean="0"/>
-              <a:t>2023/9/4</a:t>
+              <a:t>2023/9/22</a:t>
             </a:fld>
             <a:endParaRPr lang="zh-CN" altLang="en-US"/>
           </a:p>
@@ -672,7 +672,7 @@
           <a:p>
             <a:fld id="{36FC6D07-7021-441E-9779-C24CBBD0B204}" type="datetimeFigureOut">
               <a:rPr lang="zh-CN" altLang="en-US" smtClean="0"/>
-              <a:t>2023/9/4</a:t>
+              <a:t>2023/9/22</a:t>
             </a:fld>
             <a:endParaRPr lang="zh-CN" altLang="en-US"/>
           </a:p>
@@ -872,7 +872,7 @@
           <a:p>
             <a:fld id="{36FC6D07-7021-441E-9779-C24CBBD0B204}" type="datetimeFigureOut">
               <a:rPr lang="zh-CN" altLang="en-US" smtClean="0"/>
-              <a:t>2023/9/4</a:t>
+              <a:t>2023/9/22</a:t>
             </a:fld>
             <a:endParaRPr lang="zh-CN" altLang="en-US"/>
           </a:p>
@@ -1148,7 +1148,7 @@
           <a:p>
             <a:fld id="{36FC6D07-7021-441E-9779-C24CBBD0B204}" type="datetimeFigureOut">
               <a:rPr lang="zh-CN" altLang="en-US" smtClean="0"/>
-              <a:t>2023/9/4</a:t>
+              <a:t>2023/9/22</a:t>
             </a:fld>
             <a:endParaRPr lang="zh-CN" altLang="en-US"/>
           </a:p>
@@ -1416,7 +1416,7 @@
           <a:p>
             <a:fld id="{36FC6D07-7021-441E-9779-C24CBBD0B204}" type="datetimeFigureOut">
               <a:rPr lang="zh-CN" altLang="en-US" smtClean="0"/>
-              <a:t>2023/9/4</a:t>
+              <a:t>2023/9/22</a:t>
             </a:fld>
             <a:endParaRPr lang="zh-CN" altLang="en-US"/>
           </a:p>
@@ -1831,7 +1831,7 @@
           <a:p>
             <a:fld id="{36FC6D07-7021-441E-9779-C24CBBD0B204}" type="datetimeFigureOut">
               <a:rPr lang="zh-CN" altLang="en-US" smtClean="0"/>
-              <a:t>2023/9/4</a:t>
+              <a:t>2023/9/22</a:t>
             </a:fld>
             <a:endParaRPr lang="zh-CN" altLang="en-US"/>
           </a:p>
@@ -1973,7 +1973,7 @@
           <a:p>
             <a:fld id="{36FC6D07-7021-441E-9779-C24CBBD0B204}" type="datetimeFigureOut">
               <a:rPr lang="zh-CN" altLang="en-US" smtClean="0"/>
-              <a:t>2023/9/4</a:t>
+              <a:t>2023/9/22</a:t>
             </a:fld>
             <a:endParaRPr lang="zh-CN" altLang="en-US"/>
           </a:p>
@@ -2086,7 +2086,7 @@
           <a:p>
             <a:fld id="{36FC6D07-7021-441E-9779-C24CBBD0B204}" type="datetimeFigureOut">
               <a:rPr lang="zh-CN" altLang="en-US" smtClean="0"/>
-              <a:t>2023/9/4</a:t>
+              <a:t>2023/9/22</a:t>
             </a:fld>
             <a:endParaRPr lang="zh-CN" altLang="en-US"/>
           </a:p>
@@ -2399,7 +2399,7 @@
           <a:p>
             <a:fld id="{36FC6D07-7021-441E-9779-C24CBBD0B204}" type="datetimeFigureOut">
               <a:rPr lang="zh-CN" altLang="en-US" smtClean="0"/>
-              <a:t>2023/9/4</a:t>
+              <a:t>2023/9/22</a:t>
             </a:fld>
             <a:endParaRPr lang="zh-CN" altLang="en-US"/>
           </a:p>
@@ -2688,7 +2688,7 @@
           <a:p>
             <a:fld id="{36FC6D07-7021-441E-9779-C24CBBD0B204}" type="datetimeFigureOut">
               <a:rPr lang="zh-CN" altLang="en-US" smtClean="0"/>
-              <a:t>2023/9/4</a:t>
+              <a:t>2023/9/22</a:t>
             </a:fld>
             <a:endParaRPr lang="zh-CN" altLang="en-US"/>
           </a:p>
@@ -2931,7 +2931,7 @@
           <a:p>
             <a:fld id="{36FC6D07-7021-441E-9779-C24CBBD0B204}" type="datetimeFigureOut">
               <a:rPr lang="zh-CN" altLang="en-US" smtClean="0"/>
-              <a:t>2023/9/4</a:t>
+              <a:t>2023/9/22</a:t>
             </a:fld>
             <a:endParaRPr lang="zh-CN" altLang="en-US"/>
           </a:p>
@@ -4083,55 +4083,6 @@
           </a:p>
         </p:txBody>
       </p:sp>
-      <p:sp>
-        <p:nvSpPr>
-          <p:cNvPr id="20" name="Oval 19">
-            <a:extLst>
-              <a:ext uri="{FF2B5EF4-FFF2-40B4-BE49-F238E27FC236}">
-                <a16:creationId xmlns:a16="http://schemas.microsoft.com/office/drawing/2014/main" id="{9BA2B7AE-A25A-0B23-BBB1-0725892E4B92}"/>
-              </a:ext>
-            </a:extLst>
-          </p:cNvPr>
-          <p:cNvSpPr/>
-          <p:nvPr/>
-        </p:nvSpPr>
-        <p:spPr>
-          <a:xfrm>
-            <a:off x="6487886" y="3197292"/>
-            <a:ext cx="279918" cy="279918"/>
-          </a:xfrm>
-          <a:prstGeom prst="ellipse">
-            <a:avLst/>
-          </a:prstGeom>
-          <a:solidFill>
-            <a:srgbClr val="FF8989"/>
-          </a:solidFill>
-        </p:spPr>
-        <p:style>
-          <a:lnRef idx="2">
-            <a:schemeClr val="accent1">
-              <a:shade val="15000"/>
-            </a:schemeClr>
-          </a:lnRef>
-          <a:fillRef idx="1">
-            <a:schemeClr val="accent1"/>
-          </a:fillRef>
-          <a:effectRef idx="0">
-            <a:schemeClr val="accent1"/>
-          </a:effectRef>
-          <a:fontRef idx="minor">
-            <a:schemeClr val="lt1"/>
-          </a:fontRef>
-        </p:style>
-        <p:txBody>
-          <a:bodyPr rtlCol="0" anchor="ctr"/>
-          <a:lstStyle/>
-          <a:p>
-            <a:pPr algn="ctr"/>
-            <a:endParaRPr lang="zh-CN" altLang="en-US" dirty="0"/>
-          </a:p>
-        </p:txBody>
-      </p:sp>
       <p:cxnSp>
         <p:nvCxnSpPr>
           <p:cNvPr id="23" name="Straight Arrow Connector 22">
@@ -6267,221 +6218,6 @@
           <a:xfrm>
             <a:off x="5089849" y="2690327"/>
             <a:ext cx="650033" cy="1754156"/>
-          </a:xfrm>
-          <a:prstGeom prst="straightConnector1">
-            <a:avLst/>
-          </a:prstGeom>
-          <a:ln>
-            <a:headEnd type="none" w="med" len="med"/>
-            <a:tailEnd type="none" w="med" len="med"/>
-          </a:ln>
-        </p:spPr>
-        <p:style>
-          <a:lnRef idx="1">
-            <a:schemeClr val="accent1"/>
-          </a:lnRef>
-          <a:fillRef idx="0">
-            <a:schemeClr val="accent1"/>
-          </a:fillRef>
-          <a:effectRef idx="0">
-            <a:schemeClr val="accent1"/>
-          </a:effectRef>
-          <a:fontRef idx="minor">
-            <a:schemeClr val="tx1"/>
-          </a:fontRef>
-        </p:style>
-      </p:cxnSp>
-      <p:cxnSp>
-        <p:nvCxnSpPr>
-          <p:cNvPr id="103" name="Straight Arrow Connector 102">
-            <a:extLst>
-              <a:ext uri="{FF2B5EF4-FFF2-40B4-BE49-F238E27FC236}">
-                <a16:creationId xmlns:a16="http://schemas.microsoft.com/office/drawing/2014/main" id="{CA3F6D88-34C1-3FFE-92A7-7939C86ACDBA}"/>
-              </a:ext>
-            </a:extLst>
-          </p:cNvPr>
-          <p:cNvCxnSpPr>
-            <a:stCxn id="15" idx="6"/>
-            <a:endCxn id="20" idx="2"/>
-          </p:cNvCxnSpPr>
-          <p:nvPr/>
-        </p:nvCxnSpPr>
-        <p:spPr>
-          <a:xfrm>
-            <a:off x="6005804" y="2690327"/>
-            <a:ext cx="482082" cy="646924"/>
-          </a:xfrm>
-          <a:prstGeom prst="straightConnector1">
-            <a:avLst/>
-          </a:prstGeom>
-          <a:ln>
-            <a:headEnd type="none" w="med" len="med"/>
-            <a:tailEnd type="none" w="med" len="med"/>
-          </a:ln>
-        </p:spPr>
-        <p:style>
-          <a:lnRef idx="1">
-            <a:schemeClr val="accent1"/>
-          </a:lnRef>
-          <a:fillRef idx="0">
-            <a:schemeClr val="accent1"/>
-          </a:fillRef>
-          <a:effectRef idx="0">
-            <a:schemeClr val="accent1"/>
-          </a:effectRef>
-          <a:fontRef idx="minor">
-            <a:schemeClr val="tx1"/>
-          </a:fontRef>
-        </p:style>
-      </p:cxnSp>
-      <p:cxnSp>
-        <p:nvCxnSpPr>
-          <p:cNvPr id="105" name="Straight Arrow Connector 104">
-            <a:extLst>
-              <a:ext uri="{FF2B5EF4-FFF2-40B4-BE49-F238E27FC236}">
-                <a16:creationId xmlns:a16="http://schemas.microsoft.com/office/drawing/2014/main" id="{9D64DED4-E124-BB50-6859-4A049219C7A8}"/>
-              </a:ext>
-            </a:extLst>
-          </p:cNvPr>
-          <p:cNvCxnSpPr>
-            <a:stCxn id="16" idx="6"/>
-            <a:endCxn id="20" idx="2"/>
-          </p:cNvCxnSpPr>
-          <p:nvPr/>
-        </p:nvCxnSpPr>
-        <p:spPr>
-          <a:xfrm>
-            <a:off x="6005804" y="3144417"/>
-            <a:ext cx="482082" cy="192834"/>
-          </a:xfrm>
-          <a:prstGeom prst="straightConnector1">
-            <a:avLst/>
-          </a:prstGeom>
-          <a:ln>
-            <a:headEnd type="none" w="med" len="med"/>
-            <a:tailEnd type="none" w="med" len="med"/>
-          </a:ln>
-        </p:spPr>
-        <p:style>
-          <a:lnRef idx="1">
-            <a:schemeClr val="accent1"/>
-          </a:lnRef>
-          <a:fillRef idx="0">
-            <a:schemeClr val="accent1"/>
-          </a:fillRef>
-          <a:effectRef idx="0">
-            <a:schemeClr val="accent1"/>
-          </a:effectRef>
-          <a:fontRef idx="minor">
-            <a:schemeClr val="tx1"/>
-          </a:fontRef>
-        </p:style>
-      </p:cxnSp>
-      <p:cxnSp>
-        <p:nvCxnSpPr>
-          <p:cNvPr id="107" name="Straight Arrow Connector 106">
-            <a:extLst>
-              <a:ext uri="{FF2B5EF4-FFF2-40B4-BE49-F238E27FC236}">
-                <a16:creationId xmlns:a16="http://schemas.microsoft.com/office/drawing/2014/main" id="{5E87303B-9B5C-6E29-6B49-FE7E51624A7C}"/>
-              </a:ext>
-            </a:extLst>
-          </p:cNvPr>
-          <p:cNvCxnSpPr>
-            <a:stCxn id="17" idx="6"/>
-            <a:endCxn id="20" idx="2"/>
-          </p:cNvCxnSpPr>
-          <p:nvPr/>
-        </p:nvCxnSpPr>
-        <p:spPr>
-          <a:xfrm flipV="1">
-            <a:off x="6005804" y="3337251"/>
-            <a:ext cx="482082" cy="230154"/>
-          </a:xfrm>
-          <a:prstGeom prst="straightConnector1">
-            <a:avLst/>
-          </a:prstGeom>
-          <a:ln>
-            <a:headEnd type="none" w="med" len="med"/>
-            <a:tailEnd type="none" w="med" len="med"/>
-          </a:ln>
-        </p:spPr>
-        <p:style>
-          <a:lnRef idx="1">
-            <a:schemeClr val="accent1"/>
-          </a:lnRef>
-          <a:fillRef idx="0">
-            <a:schemeClr val="accent1"/>
-          </a:fillRef>
-          <a:effectRef idx="0">
-            <a:schemeClr val="accent1"/>
-          </a:effectRef>
-          <a:fontRef idx="minor">
-            <a:schemeClr val="tx1"/>
-          </a:fontRef>
-        </p:style>
-      </p:cxnSp>
-      <p:cxnSp>
-        <p:nvCxnSpPr>
-          <p:cNvPr id="109" name="Straight Arrow Connector 108">
-            <a:extLst>
-              <a:ext uri="{FF2B5EF4-FFF2-40B4-BE49-F238E27FC236}">
-                <a16:creationId xmlns:a16="http://schemas.microsoft.com/office/drawing/2014/main" id="{75D0851A-F116-DC3E-FF42-4CA35CCE1DBC}"/>
-              </a:ext>
-            </a:extLst>
-          </p:cNvPr>
-          <p:cNvCxnSpPr>
-            <a:stCxn id="18" idx="6"/>
-            <a:endCxn id="20" idx="2"/>
-          </p:cNvCxnSpPr>
-          <p:nvPr/>
-        </p:nvCxnSpPr>
-        <p:spPr>
-          <a:xfrm flipV="1">
-            <a:off x="6005804" y="3337251"/>
-            <a:ext cx="482082" cy="653142"/>
-          </a:xfrm>
-          <a:prstGeom prst="straightConnector1">
-            <a:avLst/>
-          </a:prstGeom>
-          <a:ln>
-            <a:headEnd type="none" w="med" len="med"/>
-            <a:tailEnd type="none" w="med" len="med"/>
-          </a:ln>
-        </p:spPr>
-        <p:style>
-          <a:lnRef idx="1">
-            <a:schemeClr val="accent1"/>
-          </a:lnRef>
-          <a:fillRef idx="0">
-            <a:schemeClr val="accent1"/>
-          </a:fillRef>
-          <a:effectRef idx="0">
-            <a:schemeClr val="accent1"/>
-          </a:effectRef>
-          <a:fontRef idx="minor">
-            <a:schemeClr val="tx1"/>
-          </a:fontRef>
-        </p:style>
-      </p:cxnSp>
-      <p:cxnSp>
-        <p:nvCxnSpPr>
-          <p:cNvPr id="111" name="Straight Arrow Connector 110">
-            <a:extLst>
-              <a:ext uri="{FF2B5EF4-FFF2-40B4-BE49-F238E27FC236}">
-                <a16:creationId xmlns:a16="http://schemas.microsoft.com/office/drawing/2014/main" id="{F77F2E17-DA51-4B76-2DC1-3E21AA71E54C}"/>
-              </a:ext>
-            </a:extLst>
-          </p:cNvPr>
-          <p:cNvCxnSpPr>
-            <a:stCxn id="19" idx="6"/>
-            <a:endCxn id="20" idx="2"/>
-          </p:cNvCxnSpPr>
-          <p:nvPr/>
-        </p:nvCxnSpPr>
-        <p:spPr>
-          <a:xfrm flipV="1">
-            <a:off x="6005804" y="3337251"/>
-            <a:ext cx="482082" cy="1107232"/>
           </a:xfrm>
           <a:prstGeom prst="straightConnector1">
             <a:avLst/>
@@ -7522,8 +7258,8 @@
         </p:nvSpPr>
         <p:spPr>
           <a:xfrm>
-            <a:off x="6279833" y="3963603"/>
-            <a:ext cx="700833" cy="261610"/>
+            <a:off x="6274274" y="3648094"/>
+            <a:ext cx="696024" cy="261610"/>
           </a:xfrm>
           <a:prstGeom prst="rect">
             <a:avLst/>
@@ -7541,7 +7277,7 @@
                 <a:latin typeface="Arial" panose="020B0604020202020204" pitchFamily="34" charset="0"/>
                 <a:cs typeface="Arial" panose="020B0604020202020204" pitchFamily="34" charset="0"/>
               </a:rPr>
-              <a:t>SoftMax</a:t>
+              <a:t>Sigmoid</a:t>
             </a:r>
             <a:endParaRPr lang="zh-CN" altLang="en-US" sz="1100" dirty="0">
               <a:latin typeface="Arial" panose="020B0604020202020204" pitchFamily="34" charset="0"/>
@@ -7748,7 +7484,7 @@
         </p:nvSpPr>
         <p:spPr>
           <a:xfrm>
-            <a:off x="6472335" y="3676690"/>
+            <a:off x="6452120" y="3413293"/>
             <a:ext cx="279918" cy="279918"/>
           </a:xfrm>
           <a:prstGeom prst="ellipse">
@@ -7801,7 +7537,7 @@
         <p:spPr>
           <a:xfrm>
             <a:off x="6005804" y="2690327"/>
-            <a:ext cx="466531" cy="1126322"/>
+            <a:ext cx="446316" cy="862925"/>
           </a:xfrm>
           <a:prstGeom prst="line">
             <a:avLst/>
@@ -7840,7 +7576,7 @@
         <p:spPr>
           <a:xfrm>
             <a:off x="6005804" y="3144417"/>
-            <a:ext cx="466531" cy="672232"/>
+            <a:ext cx="446316" cy="408835"/>
           </a:xfrm>
           <a:prstGeom prst="line">
             <a:avLst/>
@@ -7877,9 +7613,9 @@
           <p:nvPr/>
         </p:nvCxnSpPr>
         <p:spPr>
-          <a:xfrm>
-            <a:off x="6005804" y="3567405"/>
-            <a:ext cx="466531" cy="249244"/>
+          <a:xfrm flipV="1">
+            <a:off x="6005804" y="3553252"/>
+            <a:ext cx="446316" cy="14153"/>
           </a:xfrm>
           <a:prstGeom prst="line">
             <a:avLst/>
@@ -7910,14 +7646,16 @@
             </a:extLst>
           </p:cNvPr>
           <p:cNvCxnSpPr>
+            <a:cxnSpLocks/>
+            <a:stCxn id="18" idx="6"/>
             <a:endCxn id="24" idx="2"/>
           </p:cNvCxnSpPr>
           <p:nvPr/>
         </p:nvCxnSpPr>
         <p:spPr>
           <a:xfrm flipV="1">
-            <a:off x="6045002" y="3816649"/>
-            <a:ext cx="427333" cy="173744"/>
+            <a:off x="6005804" y="3553252"/>
+            <a:ext cx="446316" cy="437141"/>
           </a:xfrm>
           <a:prstGeom prst="line">
             <a:avLst/>
@@ -7955,8 +7693,8 @@
         </p:nvCxnSpPr>
         <p:spPr>
           <a:xfrm flipV="1">
-            <a:off x="6005804" y="3816649"/>
-            <a:ext cx="466531" cy="627834"/>
+            <a:off x="6005804" y="3553252"/>
+            <a:ext cx="446316" cy="891231"/>
           </a:xfrm>
           <a:prstGeom prst="line">
             <a:avLst/>
